--- a/Lecture#12/Lecture_12.pptx
+++ b/Lecture#12/Lecture_12.pptx
@@ -282,7 +282,7 @@
                 </a:solidFill>
               </a:rPr>
               <a:pPr/>
-              <a:t>10/8/2019</a:t>
+              <a:t>10/9/2019</a:t>
             </a:fld>
             <a:endParaRPr lang="en-US" dirty="0">
               <a:solidFill>
@@ -443,7 +443,7 @@
             <a:fld id="{DBF7D493-8EEB-7E45-916B-5FBC49ABC710}" type="datetimeFigureOut">
               <a:rPr lang="en-US" smtClean="0"/>
               <a:pPr/>
-              <a:t>10/8/2019</a:t>
+              <a:t>10/9/2019</a:t>
             </a:fld>
             <a:endParaRPr lang="en-US" dirty="0"/>
           </a:p>
@@ -5558,48 +5558,9 @@
           <a:chExt cx="0" cy="0"/>
         </a:xfrm>
       </p:grpSpPr>
-      <p:sp>
-        <p:nvSpPr>
-          <p:cNvPr id="2" name="Text Placeholder 1">
-            <a:extLst>
-              <a:ext uri="{FF2B5EF4-FFF2-40B4-BE49-F238E27FC236}">
-                <a16:creationId xmlns:a16="http://schemas.microsoft.com/office/drawing/2014/main" id="{4AD095E8-BEF0-446B-83B5-A622EF732BEA}"/>
-              </a:ext>
-            </a:extLst>
-          </p:cNvPr>
-          <p:cNvSpPr>
-            <a:spLocks noGrp="1"/>
-          </p:cNvSpPr>
-          <p:nvPr>
-            <p:ph type="body" sz="quarter" idx="10"/>
-          </p:nvPr>
-        </p:nvSpPr>
-        <p:spPr>
-          <a:xfrm>
-            <a:off x="130992" y="247650"/>
-            <a:ext cx="9245600" cy="742950"/>
-          </a:xfrm>
-        </p:spPr>
-        <p:txBody>
-          <a:bodyPr/>
-          <a:lstStyle/>
-          <a:p>
-            <a:r>
-              <a:rPr lang="en-US" dirty="0"/>
-              <a:t>Code: main</a:t>
-            </a:r>
-          </a:p>
-        </p:txBody>
-      </p:sp>
       <p:pic>
         <p:nvPicPr>
-          <p:cNvPr id="4" name="Picture 3">
-            <a:extLst>
-              <a:ext uri="{FF2B5EF4-FFF2-40B4-BE49-F238E27FC236}">
-                <a16:creationId xmlns:a16="http://schemas.microsoft.com/office/drawing/2014/main" id="{5A83CBDC-F7EF-48DA-84F3-B437B8B3F98F}"/>
-              </a:ext>
-            </a:extLst>
-          </p:cNvPr>
+          <p:cNvPr id="6" name="Picture 5"/>
           <p:cNvPicPr>
             <a:picLocks noChangeAspect="1"/>
           </p:cNvPicPr>
@@ -5613,8 +5574,8 @@
         </p:blipFill>
         <p:spPr>
           <a:xfrm>
-            <a:off x="0" y="1313651"/>
-            <a:ext cx="10058400" cy="6458749"/>
+            <a:off x="254556" y="16624"/>
+            <a:ext cx="7827547" cy="7728066"/>
           </a:xfrm>
           <a:prstGeom prst="rect">
             <a:avLst/>
@@ -5653,13 +5614,7 @@
       </p:grpSpPr>
       <p:sp>
         <p:nvSpPr>
-          <p:cNvPr id="2" name="Text Placeholder 1">
-            <a:extLst>
-              <a:ext uri="{FF2B5EF4-FFF2-40B4-BE49-F238E27FC236}">
-                <a16:creationId xmlns:a16="http://schemas.microsoft.com/office/drawing/2014/main" id="{B78F64AE-8971-4B08-891D-120BA179D8B8}"/>
-              </a:ext>
-            </a:extLst>
-          </p:cNvPr>
+          <p:cNvPr id="3" name="Text Placeholder 2"/>
           <p:cNvSpPr>
             <a:spLocks noGrp="1"/>
           </p:cNvSpPr>
@@ -5669,7 +5624,7 @@
         </p:nvSpPr>
         <p:spPr>
           <a:xfrm>
-            <a:off x="0" y="0"/>
+            <a:off x="161868" y="186863"/>
             <a:ext cx="9245600" cy="742950"/>
           </a:xfrm>
         </p:spPr>
@@ -5678,21 +5633,16 @@
           <a:lstStyle/>
           <a:p>
             <a:r>
-              <a:rPr lang="en-US" dirty="0"/>
-              <a:t>Match Function:</a:t>
-            </a:r>
+              <a:rPr lang="en-US" dirty="0" smtClean="0"/>
+              <a:t>Main Function:</a:t>
+            </a:r>
+            <a:endParaRPr lang="en-US" dirty="0"/>
           </a:p>
         </p:txBody>
       </p:sp>
       <p:pic>
         <p:nvPicPr>
-          <p:cNvPr id="4" name="Picture 3">
-            <a:extLst>
-              <a:ext uri="{FF2B5EF4-FFF2-40B4-BE49-F238E27FC236}">
-                <a16:creationId xmlns:a16="http://schemas.microsoft.com/office/drawing/2014/main" id="{CEA7529D-2D94-4883-AEA9-D8392364CBA7}"/>
-              </a:ext>
-            </a:extLst>
-          </p:cNvPr>
+          <p:cNvPr id="5" name="Picture 4"/>
           <p:cNvPicPr>
             <a:picLocks noChangeAspect="1"/>
           </p:cNvPicPr>
@@ -5706,8 +5656,8 @@
         </p:blipFill>
         <p:spPr>
           <a:xfrm>
-            <a:off x="0" y="813875"/>
-            <a:ext cx="10058400" cy="6958525"/>
+            <a:off x="161868" y="929813"/>
+            <a:ext cx="9639780" cy="3987338"/>
           </a:xfrm>
           <a:prstGeom prst="rect">
             <a:avLst/>
@@ -5830,10 +5780,16 @@
               <a:t>int</a:t>
             </a:r>
             <a:r>
-              <a:rPr lang="en-US" sz="2000" b="1" dirty="0">
+              <a:rPr lang="en-US" sz="2000" b="1">
                 <a:latin typeface="Courier" pitchFamily="2" charset="0"/>
               </a:rPr>
-              <a:t> matrix[SIZE][SIZE], </a:t>
+              <a:t> </a:t>
+            </a:r>
+            <a:r>
+              <a:rPr lang="en-US" sz="2000" b="1" smtClean="0">
+                <a:latin typeface="Courier" pitchFamily="2" charset="0"/>
+              </a:rPr>
+              <a:t>*matrix, </a:t>
             </a:r>
             <a:r>
               <a:rPr lang="en-US" sz="2000" b="1" dirty="0" err="1">
